--- a/Processing/cursus4/4.pptx
+++ b/Processing/cursus4/4.pptx
@@ -4,6 +4,12 @@
   <p:sldMasterIdLst>
     <p:sldMasterId id="2147483648" r:id="rId1"/>
   </p:sldMasterIdLst>
+  <p:sldIdLst>
+    <p:sldId id="256" r:id="rId2"/>
+    <p:sldId id="257" r:id="rId3"/>
+    <p:sldId id="258" r:id="rId4"/>
+    <p:sldId id="259" r:id="rId5"/>
+  </p:sldIdLst>
   <p:sldSz cx="9144000" cy="6858000" type="screen4x3"/>
   <p:notesSz cx="6858000" cy="9144000"/>
   <p:defaultTextStyle>
@@ -285,7 +291,8 @@
           <a:p>
             <a:fld id="{8638F0FA-503B-447F-A02E-6BF1D880434F}" type="datetimeFigureOut">
               <a:rPr lang="nl-NL" smtClean="0"/>
-              <a:t>24-10-2006</a:t>
+              <a:pPr/>
+              <a:t>24-10-2014</a:t>
             </a:fld>
             <a:endParaRPr lang="nl-NL"/>
           </a:p>
@@ -327,6 +334,7 @@
           <a:p>
             <a:fld id="{C3EE7185-A582-4542-8FF0-969B3F80C0A5}" type="slidenum">
               <a:rPr lang="nl-NL" smtClean="0"/>
+              <a:pPr/>
               <a:t>‹nr.›</a:t>
             </a:fld>
             <a:endParaRPr lang="nl-NL"/>
@@ -450,7 +458,8 @@
           <a:p>
             <a:fld id="{8638F0FA-503B-447F-A02E-6BF1D880434F}" type="datetimeFigureOut">
               <a:rPr lang="nl-NL" smtClean="0"/>
-              <a:t>24-10-2006</a:t>
+              <a:pPr/>
+              <a:t>24-10-2014</a:t>
             </a:fld>
             <a:endParaRPr lang="nl-NL"/>
           </a:p>
@@ -492,6 +501,7 @@
           <a:p>
             <a:fld id="{C3EE7185-A582-4542-8FF0-969B3F80C0A5}" type="slidenum">
               <a:rPr lang="nl-NL" smtClean="0"/>
+              <a:pPr/>
               <a:t>‹nr.›</a:t>
             </a:fld>
             <a:endParaRPr lang="nl-NL"/>
@@ -625,7 +635,8 @@
           <a:p>
             <a:fld id="{8638F0FA-503B-447F-A02E-6BF1D880434F}" type="datetimeFigureOut">
               <a:rPr lang="nl-NL" smtClean="0"/>
-              <a:t>24-10-2006</a:t>
+              <a:pPr/>
+              <a:t>24-10-2014</a:t>
             </a:fld>
             <a:endParaRPr lang="nl-NL"/>
           </a:p>
@@ -667,6 +678,7 @@
           <a:p>
             <a:fld id="{C3EE7185-A582-4542-8FF0-969B3F80C0A5}" type="slidenum">
               <a:rPr lang="nl-NL" smtClean="0"/>
+              <a:pPr/>
               <a:t>‹nr.›</a:t>
             </a:fld>
             <a:endParaRPr lang="nl-NL"/>
@@ -790,7 +802,8 @@
           <a:p>
             <a:fld id="{8638F0FA-503B-447F-A02E-6BF1D880434F}" type="datetimeFigureOut">
               <a:rPr lang="nl-NL" smtClean="0"/>
-              <a:t>24-10-2006</a:t>
+              <a:pPr/>
+              <a:t>24-10-2014</a:t>
             </a:fld>
             <a:endParaRPr lang="nl-NL"/>
           </a:p>
@@ -832,6 +845,7 @@
           <a:p>
             <a:fld id="{C3EE7185-A582-4542-8FF0-969B3F80C0A5}" type="slidenum">
               <a:rPr lang="nl-NL" smtClean="0"/>
+              <a:pPr/>
               <a:t>‹nr.›</a:t>
             </a:fld>
             <a:endParaRPr lang="nl-NL"/>
@@ -1031,7 +1045,8 @@
           <a:p>
             <a:fld id="{8638F0FA-503B-447F-A02E-6BF1D880434F}" type="datetimeFigureOut">
               <a:rPr lang="nl-NL" smtClean="0"/>
-              <a:t>24-10-2006</a:t>
+              <a:pPr/>
+              <a:t>24-10-2014</a:t>
             </a:fld>
             <a:endParaRPr lang="nl-NL"/>
           </a:p>
@@ -1073,6 +1088,7 @@
           <a:p>
             <a:fld id="{C3EE7185-A582-4542-8FF0-969B3F80C0A5}" type="slidenum">
               <a:rPr lang="nl-NL" smtClean="0"/>
+              <a:pPr/>
               <a:t>‹nr.›</a:t>
             </a:fld>
             <a:endParaRPr lang="nl-NL"/>
@@ -1314,7 +1330,8 @@
           <a:p>
             <a:fld id="{8638F0FA-503B-447F-A02E-6BF1D880434F}" type="datetimeFigureOut">
               <a:rPr lang="nl-NL" smtClean="0"/>
-              <a:t>24-10-2006</a:t>
+              <a:pPr/>
+              <a:t>24-10-2014</a:t>
             </a:fld>
             <a:endParaRPr lang="nl-NL"/>
           </a:p>
@@ -1356,6 +1373,7 @@
           <a:p>
             <a:fld id="{C3EE7185-A582-4542-8FF0-969B3F80C0A5}" type="slidenum">
               <a:rPr lang="nl-NL" smtClean="0"/>
+              <a:pPr/>
               <a:t>‹nr.›</a:t>
             </a:fld>
             <a:endParaRPr lang="nl-NL"/>
@@ -1731,7 +1749,8 @@
           <a:p>
             <a:fld id="{8638F0FA-503B-447F-A02E-6BF1D880434F}" type="datetimeFigureOut">
               <a:rPr lang="nl-NL" smtClean="0"/>
-              <a:t>24-10-2006</a:t>
+              <a:pPr/>
+              <a:t>24-10-2014</a:t>
             </a:fld>
             <a:endParaRPr lang="nl-NL"/>
           </a:p>
@@ -1773,6 +1792,7 @@
           <a:p>
             <a:fld id="{C3EE7185-A582-4542-8FF0-969B3F80C0A5}" type="slidenum">
               <a:rPr lang="nl-NL" smtClean="0"/>
+              <a:pPr/>
               <a:t>‹nr.›</a:t>
             </a:fld>
             <a:endParaRPr lang="nl-NL"/>
@@ -1844,7 +1864,8 @@
           <a:p>
             <a:fld id="{8638F0FA-503B-447F-A02E-6BF1D880434F}" type="datetimeFigureOut">
               <a:rPr lang="nl-NL" smtClean="0"/>
-              <a:t>24-10-2006</a:t>
+              <a:pPr/>
+              <a:t>24-10-2014</a:t>
             </a:fld>
             <a:endParaRPr lang="nl-NL"/>
           </a:p>
@@ -1886,6 +1907,7 @@
           <a:p>
             <a:fld id="{C3EE7185-A582-4542-8FF0-969B3F80C0A5}" type="slidenum">
               <a:rPr lang="nl-NL" smtClean="0"/>
+              <a:pPr/>
               <a:t>‹nr.›</a:t>
             </a:fld>
             <a:endParaRPr lang="nl-NL"/>
@@ -1934,7 +1956,8 @@
           <a:p>
             <a:fld id="{8638F0FA-503B-447F-A02E-6BF1D880434F}" type="datetimeFigureOut">
               <a:rPr lang="nl-NL" smtClean="0"/>
-              <a:t>24-10-2006</a:t>
+              <a:pPr/>
+              <a:t>24-10-2014</a:t>
             </a:fld>
             <a:endParaRPr lang="nl-NL"/>
           </a:p>
@@ -1976,6 +1999,7 @@
           <a:p>
             <a:fld id="{C3EE7185-A582-4542-8FF0-969B3F80C0A5}" type="slidenum">
               <a:rPr lang="nl-NL" smtClean="0"/>
+              <a:pPr/>
               <a:t>‹nr.›</a:t>
             </a:fld>
             <a:endParaRPr lang="nl-NL"/>
@@ -2206,7 +2230,8 @@
           <a:p>
             <a:fld id="{8638F0FA-503B-447F-A02E-6BF1D880434F}" type="datetimeFigureOut">
               <a:rPr lang="nl-NL" smtClean="0"/>
-              <a:t>24-10-2006</a:t>
+              <a:pPr/>
+              <a:t>24-10-2014</a:t>
             </a:fld>
             <a:endParaRPr lang="nl-NL"/>
           </a:p>
@@ -2248,6 +2273,7 @@
           <a:p>
             <a:fld id="{C3EE7185-A582-4542-8FF0-969B3F80C0A5}" type="slidenum">
               <a:rPr lang="nl-NL" smtClean="0"/>
+              <a:pPr/>
               <a:t>‹nr.›</a:t>
             </a:fld>
             <a:endParaRPr lang="nl-NL"/>
@@ -2454,7 +2480,8 @@
           <a:p>
             <a:fld id="{8638F0FA-503B-447F-A02E-6BF1D880434F}" type="datetimeFigureOut">
               <a:rPr lang="nl-NL" smtClean="0"/>
-              <a:t>24-10-2006</a:t>
+              <a:pPr/>
+              <a:t>24-10-2014</a:t>
             </a:fld>
             <a:endParaRPr lang="nl-NL"/>
           </a:p>
@@ -2496,6 +2523,7 @@
           <a:p>
             <a:fld id="{C3EE7185-A582-4542-8FF0-969B3F80C0A5}" type="slidenum">
               <a:rPr lang="nl-NL" smtClean="0"/>
+              <a:pPr/>
               <a:t>‹nr.›</a:t>
             </a:fld>
             <a:endParaRPr lang="nl-NL"/>
@@ -2662,7 +2690,8 @@
           <a:p>
             <a:fld id="{8638F0FA-503B-447F-A02E-6BF1D880434F}" type="datetimeFigureOut">
               <a:rPr lang="nl-NL" smtClean="0"/>
-              <a:t>24-10-2006</a:t>
+              <a:pPr/>
+              <a:t>24-10-2014</a:t>
             </a:fld>
             <a:endParaRPr lang="nl-NL"/>
           </a:p>
@@ -2740,6 +2769,7 @@
           <a:p>
             <a:fld id="{C3EE7185-A582-4542-8FF0-969B3F80C0A5}" type="slidenum">
               <a:rPr lang="nl-NL" smtClean="0"/>
+              <a:pPr/>
               <a:t>‹nr.›</a:t>
             </a:fld>
             <a:endParaRPr lang="nl-NL"/>
@@ -3013,6 +3043,542 @@
     </p:otherStyle>
   </p:txStyles>
 </p:sldMaster>
+</file>
+
+<file path=ppt/slides/slide1.xml><?xml version="1.0" encoding="utf-8"?>
+<p:sld xmlns:a="http://schemas.openxmlformats.org/drawingml/2006/main" xmlns:r="http://schemas.openxmlformats.org/officeDocument/2006/relationships" xmlns:p="http://schemas.openxmlformats.org/presentationml/2006/main">
+  <p:cSld>
+    <p:spTree>
+      <p:nvGrpSpPr>
+        <p:cNvPr id="1" name=""/>
+        <p:cNvGrpSpPr/>
+        <p:nvPr/>
+      </p:nvGrpSpPr>
+      <p:grpSpPr>
+        <a:xfrm>
+          <a:off x="0" y="0"/>
+          <a:ext cx="0" cy="0"/>
+          <a:chOff x="0" y="0"/>
+          <a:chExt cx="0" cy="0"/>
+        </a:xfrm>
+      </p:grpSpPr>
+      <p:sp>
+        <p:nvSpPr>
+          <p:cNvPr id="2" name="Titel 1"/>
+          <p:cNvSpPr>
+            <a:spLocks noGrp="1"/>
+          </p:cNvSpPr>
+          <p:nvPr>
+            <p:ph type="ctrTitle"/>
+          </p:nvPr>
+        </p:nvSpPr>
+        <p:spPr>
+          <a:xfrm>
+            <a:off x="0" y="332656"/>
+            <a:ext cx="9144000" cy="1470025"/>
+          </a:xfrm>
+        </p:spPr>
+        <p:txBody>
+          <a:bodyPr/>
+          <a:lstStyle/>
+          <a:p>
+            <a:r>
+              <a:rPr lang="nl-NL" dirty="0" smtClean="0"/>
+              <a:t>Processing</a:t>
+            </a:r>
+            <a:endParaRPr lang="nl-NL" dirty="0"/>
+          </a:p>
+        </p:txBody>
+      </p:sp>
+      <p:sp>
+        <p:nvSpPr>
+          <p:cNvPr id="3" name="Ondertitel 2"/>
+          <p:cNvSpPr>
+            <a:spLocks noGrp="1"/>
+          </p:cNvSpPr>
+          <p:nvPr>
+            <p:ph type="subTitle" idx="1"/>
+          </p:nvPr>
+        </p:nvSpPr>
+        <p:spPr/>
+        <p:txBody>
+          <a:bodyPr/>
+          <a:lstStyle/>
+          <a:p>
+            <a:endParaRPr lang="nl-NL"/>
+          </a:p>
+        </p:txBody>
+      </p:sp>
+      <p:pic>
+        <p:nvPicPr>
+          <p:cNvPr id="1026" name="Picture 2" descr="C:\Users\Thijs\Documents\processing-2.2.1\lib\icons\pde-512.png"/>
+          <p:cNvPicPr>
+            <a:picLocks noChangeAspect="1" noChangeArrowheads="1"/>
+          </p:cNvPicPr>
+          <p:nvPr/>
+        </p:nvPicPr>
+        <p:blipFill>
+          <a:blip r:embed="rId2" cstate="print"/>
+          <a:srcRect/>
+          <a:stretch>
+            <a:fillRect/>
+          </a:stretch>
+        </p:blipFill>
+        <p:spPr bwMode="auto">
+          <a:xfrm>
+            <a:off x="2267744" y="1844824"/>
+            <a:ext cx="4475336" cy="4475336"/>
+          </a:xfrm>
+          <a:prstGeom prst="rect">
+            <a:avLst/>
+          </a:prstGeom>
+          <a:noFill/>
+        </p:spPr>
+      </p:pic>
+    </p:spTree>
+  </p:cSld>
+  <p:clrMapOvr>
+    <a:masterClrMapping/>
+  </p:clrMapOvr>
+  <p:timing>
+    <p:tnLst>
+      <p:par>
+        <p:cTn id="1" dur="indefinite" restart="never" nodeType="tmRoot"/>
+      </p:par>
+    </p:tnLst>
+  </p:timing>
+</p:sld>
+</file>
+
+<file path=ppt/slides/slide2.xml><?xml version="1.0" encoding="utf-8"?>
+<p:sld xmlns:a="http://schemas.openxmlformats.org/drawingml/2006/main" xmlns:r="http://schemas.openxmlformats.org/officeDocument/2006/relationships" xmlns:p="http://schemas.openxmlformats.org/presentationml/2006/main">
+  <p:cSld>
+    <p:spTree>
+      <p:nvGrpSpPr>
+        <p:cNvPr id="1" name=""/>
+        <p:cNvGrpSpPr/>
+        <p:nvPr/>
+      </p:nvGrpSpPr>
+      <p:grpSpPr>
+        <a:xfrm>
+          <a:off x="0" y="0"/>
+          <a:ext cx="0" cy="0"/>
+          <a:chOff x="0" y="0"/>
+          <a:chExt cx="0" cy="0"/>
+        </a:xfrm>
+      </p:grpSpPr>
+      <p:sp>
+        <p:nvSpPr>
+          <p:cNvPr id="2" name="Titel 1"/>
+          <p:cNvSpPr>
+            <a:spLocks noGrp="1"/>
+          </p:cNvSpPr>
+          <p:nvPr>
+            <p:ph type="title"/>
+          </p:nvPr>
+        </p:nvSpPr>
+        <p:spPr/>
+        <p:txBody>
+          <a:bodyPr/>
+          <a:lstStyle/>
+          <a:p>
+            <a:r>
+              <a:rPr lang="nl-NL" dirty="0" smtClean="0"/>
+              <a:t>Vandaag</a:t>
+            </a:r>
+            <a:endParaRPr lang="nl-NL" dirty="0"/>
+          </a:p>
+        </p:txBody>
+      </p:sp>
+      <p:sp>
+        <p:nvSpPr>
+          <p:cNvPr id="3" name="Tijdelijke aanduiding voor inhoud 2"/>
+          <p:cNvSpPr>
+            <a:spLocks noGrp="1"/>
+          </p:cNvSpPr>
+          <p:nvPr>
+            <p:ph idx="1"/>
+          </p:nvPr>
+        </p:nvSpPr>
+        <p:spPr/>
+        <p:txBody>
+          <a:bodyPr/>
+          <a:lstStyle/>
+          <a:p>
+            <a:r>
+              <a:rPr lang="nl-NL" dirty="0" err="1" smtClean="0"/>
+              <a:t>Arduino</a:t>
+            </a:r>
+            <a:endParaRPr lang="nl-NL" dirty="0" smtClean="0"/>
+          </a:p>
+          <a:p>
+            <a:endParaRPr lang="nl-NL" dirty="0" smtClean="0"/>
+          </a:p>
+          <a:p>
+            <a:r>
+              <a:rPr lang="nl-NL" dirty="0" err="1" smtClean="0"/>
+              <a:t>Serial</a:t>
+            </a:r>
+            <a:endParaRPr lang="nl-NL" dirty="0" smtClean="0"/>
+          </a:p>
+          <a:p>
+            <a:endParaRPr lang="nl-NL" dirty="0" smtClean="0"/>
+          </a:p>
+          <a:p>
+            <a:r>
+              <a:rPr lang="nl-NL" dirty="0" smtClean="0"/>
+              <a:t>Grafiek </a:t>
+            </a:r>
+          </a:p>
+          <a:p>
+            <a:endParaRPr lang="nl-NL" dirty="0" smtClean="0"/>
+          </a:p>
+          <a:p>
+            <a:r>
+              <a:rPr lang="nl-NL" dirty="0" err="1" smtClean="0"/>
+              <a:t>Arduino</a:t>
+            </a:r>
+            <a:r>
+              <a:rPr lang="nl-NL" dirty="0" smtClean="0"/>
+              <a:t> voorbeeld</a:t>
+            </a:r>
+            <a:endParaRPr lang="nl-NL" dirty="0" smtClean="0"/>
+          </a:p>
+        </p:txBody>
+      </p:sp>
+    </p:spTree>
+  </p:cSld>
+  <p:clrMapOvr>
+    <a:masterClrMapping/>
+  </p:clrMapOvr>
+  <p:timing>
+    <p:tnLst>
+      <p:par>
+        <p:cTn id="1" dur="indefinite" restart="never" nodeType="tmRoot"/>
+      </p:par>
+    </p:tnLst>
+  </p:timing>
+</p:sld>
+</file>
+
+<file path=ppt/slides/slide3.xml><?xml version="1.0" encoding="utf-8"?>
+<p:sld xmlns:a="http://schemas.openxmlformats.org/drawingml/2006/main" xmlns:r="http://schemas.openxmlformats.org/officeDocument/2006/relationships" xmlns:p="http://schemas.openxmlformats.org/presentationml/2006/main">
+  <p:cSld>
+    <p:spTree>
+      <p:nvGrpSpPr>
+        <p:cNvPr id="1" name=""/>
+        <p:cNvGrpSpPr/>
+        <p:nvPr/>
+      </p:nvGrpSpPr>
+      <p:grpSpPr>
+        <a:xfrm>
+          <a:off x="0" y="0"/>
+          <a:ext cx="0" cy="0"/>
+          <a:chOff x="0" y="0"/>
+          <a:chExt cx="0" cy="0"/>
+        </a:xfrm>
+      </p:grpSpPr>
+      <p:sp>
+        <p:nvSpPr>
+          <p:cNvPr id="2" name="Titel 1"/>
+          <p:cNvSpPr>
+            <a:spLocks noGrp="1"/>
+          </p:cNvSpPr>
+          <p:nvPr>
+            <p:ph type="title"/>
+          </p:nvPr>
+        </p:nvSpPr>
+        <p:spPr/>
+        <p:txBody>
+          <a:bodyPr/>
+          <a:lstStyle/>
+          <a:p>
+            <a:r>
+              <a:rPr lang="nl-NL" dirty="0" err="1" smtClean="0"/>
+              <a:t>Serial</a:t>
+            </a:r>
+            <a:endParaRPr lang="nl-NL" dirty="0"/>
+          </a:p>
+        </p:txBody>
+      </p:sp>
+      <p:pic>
+        <p:nvPicPr>
+          <p:cNvPr id="4" name="Tijdelijke aanduiding voor inhoud 3" descr="arduino.png"/>
+          <p:cNvPicPr>
+            <a:picLocks noGrp="1" noChangeAspect="1"/>
+          </p:cNvPicPr>
+          <p:nvPr>
+            <p:ph idx="1"/>
+          </p:nvPr>
+        </p:nvPicPr>
+        <p:blipFill>
+          <a:blip r:embed="rId2" cstate="print"/>
+          <a:stretch>
+            <a:fillRect/>
+          </a:stretch>
+        </p:blipFill>
+        <p:spPr>
+          <a:xfrm rot="16200000">
+            <a:off x="6357303" y="2579802"/>
+            <a:ext cx="2235209" cy="2925494"/>
+          </a:xfrm>
+        </p:spPr>
+      </p:pic>
+      <p:pic>
+        <p:nvPicPr>
+          <p:cNvPr id="1026" name="Picture 2" descr="http://www.netzpiloten.de/wp-content/uploads/2011/11/logo1.jpg"/>
+          <p:cNvPicPr>
+            <a:picLocks noChangeAspect="1" noChangeArrowheads="1"/>
+          </p:cNvPicPr>
+          <p:nvPr/>
+        </p:nvPicPr>
+        <p:blipFill>
+          <a:blip r:embed="rId3" cstate="print"/>
+          <a:srcRect/>
+          <a:stretch>
+            <a:fillRect/>
+          </a:stretch>
+        </p:blipFill>
+        <p:spPr bwMode="auto">
+          <a:xfrm>
+            <a:off x="395536" y="1340768"/>
+            <a:ext cx="1872208" cy="1872209"/>
+          </a:xfrm>
+          <a:prstGeom prst="rect">
+            <a:avLst/>
+          </a:prstGeom>
+          <a:noFill/>
+        </p:spPr>
+      </p:pic>
+      <p:pic>
+        <p:nvPicPr>
+          <p:cNvPr id="1028" name="Picture 4" descr="http://www.donkersct.nl/wordpress/wp-content/uploads/2014/07/processing2-logo.jpg"/>
+          <p:cNvPicPr>
+            <a:picLocks noChangeAspect="1" noChangeArrowheads="1"/>
+          </p:cNvPicPr>
+          <p:nvPr/>
+        </p:nvPicPr>
+        <p:blipFill>
+          <a:blip r:embed="rId4" cstate="print"/>
+          <a:srcRect/>
+          <a:stretch>
+            <a:fillRect/>
+          </a:stretch>
+        </p:blipFill>
+        <p:spPr bwMode="auto">
+          <a:xfrm>
+            <a:off x="395536" y="4293096"/>
+            <a:ext cx="1944215" cy="1944215"/>
+          </a:xfrm>
+          <a:prstGeom prst="rect">
+            <a:avLst/>
+          </a:prstGeom>
+          <a:noFill/>
+        </p:spPr>
+      </p:pic>
+      <p:cxnSp>
+        <p:nvCxnSpPr>
+          <p:cNvPr id="8" name="Rechte verbindingslijn met pijl 7"/>
+          <p:cNvCxnSpPr/>
+          <p:nvPr/>
+        </p:nvCxnSpPr>
+        <p:spPr>
+          <a:xfrm>
+            <a:off x="2627784" y="2636912"/>
+            <a:ext cx="3240360" cy="792088"/>
+          </a:xfrm>
+          <a:prstGeom prst="straightConnector1">
+            <a:avLst/>
+          </a:prstGeom>
+          <a:ln w="50800" cap="rnd">
+            <a:solidFill>
+              <a:schemeClr val="tx1"/>
+            </a:solidFill>
+            <a:miter lim="800000"/>
+            <a:headEnd type="arrow" w="sm" len="sm"/>
+            <a:tailEnd type="arrow" w="sm" len="sm"/>
+          </a:ln>
+        </p:spPr>
+        <p:style>
+          <a:lnRef idx="1">
+            <a:schemeClr val="accent1"/>
+          </a:lnRef>
+          <a:fillRef idx="0">
+            <a:schemeClr val="accent1"/>
+          </a:fillRef>
+          <a:effectRef idx="0">
+            <a:schemeClr val="accent1"/>
+          </a:effectRef>
+          <a:fontRef idx="minor">
+            <a:schemeClr val="tx1"/>
+          </a:fontRef>
+        </p:style>
+      </p:cxnSp>
+      <p:cxnSp>
+        <p:nvCxnSpPr>
+          <p:cNvPr id="11" name="Rechte verbindingslijn met pijl 10"/>
+          <p:cNvCxnSpPr/>
+          <p:nvPr/>
+        </p:nvCxnSpPr>
+        <p:spPr>
+          <a:xfrm flipV="1">
+            <a:off x="2627784" y="3717032"/>
+            <a:ext cx="3240360" cy="1008112"/>
+          </a:xfrm>
+          <a:prstGeom prst="straightConnector1">
+            <a:avLst/>
+          </a:prstGeom>
+          <a:ln w="50800" cap="rnd">
+            <a:solidFill>
+              <a:schemeClr val="tx1"/>
+            </a:solidFill>
+            <a:miter lim="800000"/>
+            <a:headEnd type="arrow" w="sm" len="sm"/>
+            <a:tailEnd type="arrow" w="sm" len="sm"/>
+          </a:ln>
+        </p:spPr>
+        <p:style>
+          <a:lnRef idx="1">
+            <a:schemeClr val="accent1"/>
+          </a:lnRef>
+          <a:fillRef idx="0">
+            <a:schemeClr val="accent1"/>
+          </a:fillRef>
+          <a:effectRef idx="0">
+            <a:schemeClr val="accent1"/>
+          </a:effectRef>
+          <a:fontRef idx="minor">
+            <a:schemeClr val="tx1"/>
+          </a:fontRef>
+        </p:style>
+      </p:cxnSp>
+      <p:sp>
+        <p:nvSpPr>
+          <p:cNvPr id="18" name="Tekstvak 17"/>
+          <p:cNvSpPr txBox="1"/>
+          <p:nvPr/>
+        </p:nvSpPr>
+        <p:spPr>
+          <a:xfrm>
+            <a:off x="2411760" y="1916832"/>
+            <a:ext cx="2088232" cy="369332"/>
+          </a:xfrm>
+          <a:prstGeom prst="rect">
+            <a:avLst/>
+          </a:prstGeom>
+          <a:noFill/>
+        </p:spPr>
+        <p:txBody>
+          <a:bodyPr wrap="square" rtlCol="0">
+            <a:spAutoFit/>
+          </a:bodyPr>
+          <a:lstStyle/>
+          <a:p>
+            <a:r>
+              <a:rPr lang="nl-NL" dirty="0" err="1" smtClean="0"/>
+              <a:t>Serial</a:t>
+            </a:r>
+            <a:r>
+              <a:rPr lang="nl-NL" dirty="0" smtClean="0"/>
+              <a:t> monitor</a:t>
+            </a:r>
+            <a:endParaRPr lang="nl-NL" dirty="0"/>
+          </a:p>
+        </p:txBody>
+      </p:sp>
+    </p:spTree>
+  </p:cSld>
+  <p:clrMapOvr>
+    <a:masterClrMapping/>
+  </p:clrMapOvr>
+  <p:timing>
+    <p:tnLst>
+      <p:par>
+        <p:cTn id="1" dur="indefinite" restart="never" nodeType="tmRoot"/>
+      </p:par>
+    </p:tnLst>
+  </p:timing>
+</p:sld>
+</file>
+
+<file path=ppt/slides/slide4.xml><?xml version="1.0" encoding="utf-8"?>
+<p:sld xmlns:a="http://schemas.openxmlformats.org/drawingml/2006/main" xmlns:r="http://schemas.openxmlformats.org/officeDocument/2006/relationships" xmlns:p="http://schemas.openxmlformats.org/presentationml/2006/main">
+  <p:cSld>
+    <p:spTree>
+      <p:nvGrpSpPr>
+        <p:cNvPr id="1" name=""/>
+        <p:cNvGrpSpPr/>
+        <p:nvPr/>
+      </p:nvGrpSpPr>
+      <p:grpSpPr>
+        <a:xfrm>
+          <a:off x="0" y="0"/>
+          <a:ext cx="0" cy="0"/>
+          <a:chOff x="0" y="0"/>
+          <a:chExt cx="0" cy="0"/>
+        </a:xfrm>
+      </p:grpSpPr>
+      <p:sp>
+        <p:nvSpPr>
+          <p:cNvPr id="2" name="Titel 1"/>
+          <p:cNvSpPr>
+            <a:spLocks noGrp="1"/>
+          </p:cNvSpPr>
+          <p:nvPr>
+            <p:ph type="title"/>
+          </p:nvPr>
+        </p:nvSpPr>
+        <p:spPr/>
+        <p:txBody>
+          <a:bodyPr/>
+          <a:lstStyle/>
+          <a:p>
+            <a:r>
+              <a:rPr lang="nl-NL" dirty="0" smtClean="0">
+                <a:hlinkClick r:id="rId2" action="ppaction://hlinkfile"/>
+              </a:rPr>
+              <a:t>Dit</a:t>
+            </a:r>
+            <a:r>
+              <a:rPr lang="nl-NL" dirty="0" smtClean="0"/>
+              <a:t> </a:t>
+            </a:r>
+            <a:endParaRPr lang="nl-NL" dirty="0"/>
+          </a:p>
+        </p:txBody>
+      </p:sp>
+      <p:sp>
+        <p:nvSpPr>
+          <p:cNvPr id="3" name="Tijdelijke aanduiding voor inhoud 2"/>
+          <p:cNvSpPr>
+            <a:spLocks noGrp="1"/>
+          </p:cNvSpPr>
+          <p:nvPr>
+            <p:ph idx="1"/>
+          </p:nvPr>
+        </p:nvSpPr>
+        <p:spPr/>
+        <p:txBody>
+          <a:bodyPr/>
+          <a:lstStyle/>
+          <a:p>
+            <a:endParaRPr lang="nl-NL"/>
+          </a:p>
+        </p:txBody>
+      </p:sp>
+    </p:spTree>
+  </p:cSld>
+  <p:clrMapOvr>
+    <a:masterClrMapping/>
+  </p:clrMapOvr>
+  <p:timing>
+    <p:tnLst>
+      <p:par>
+        <p:cTn id="1" dur="indefinite" restart="never" nodeType="tmRoot"/>
+      </p:par>
+    </p:tnLst>
+  </p:timing>
+</p:sld>
 </file>
 
 <file path=ppt/theme/theme1.xml><?xml version="1.0" encoding="utf-8"?>
